--- a/figure.pptx
+++ b/figure.pptx
@@ -3252,44 +3252,782 @@
           <a:chExt cx="0" cy="0"/>
         </a:xfrm>
       </p:grpSpPr>
-      <p:sp>
-        <p:nvSpPr>
-          <p:cNvPr id="2" name="タイトル 1"/>
-          <p:cNvSpPr>
-            <a:spLocks noGrp="1"/>
-          </p:cNvSpPr>
-          <p:nvPr>
-            <p:ph type="ctrTitle"/>
-          </p:nvPr>
-        </p:nvSpPr>
-        <p:spPr/>
-        <p:txBody>
-          <a:bodyPr/>
-          <a:lstStyle/>
-          <a:p>
-            <a:endParaRPr kumimoji="1" lang="ja-JP" altLang="en-US"/>
-          </a:p>
-        </p:txBody>
-      </p:sp>
-      <p:sp>
-        <p:nvSpPr>
-          <p:cNvPr id="3" name="サブタイトル 2"/>
-          <p:cNvSpPr>
-            <a:spLocks noGrp="1"/>
-          </p:cNvSpPr>
-          <p:nvPr>
-            <p:ph type="subTitle" idx="1"/>
-          </p:nvPr>
-        </p:nvSpPr>
-        <p:spPr/>
-        <p:txBody>
-          <a:bodyPr/>
-          <a:lstStyle/>
-          <a:p>
-            <a:endParaRPr kumimoji="1" lang="ja-JP" altLang="en-US"/>
-          </a:p>
-        </p:txBody>
-      </p:sp>
+      <p:pic>
+        <p:nvPicPr>
+          <p:cNvPr id="1026" name="Picture 2" descr="「cosmos db」の画像検索結果"/>
+          <p:cNvPicPr>
+            <a:picLocks noChangeAspect="1" noChangeArrowheads="1"/>
+          </p:cNvPicPr>
+          <p:nvPr/>
+        </p:nvPicPr>
+        <p:blipFill>
+          <a:blip r:embed="rId2">
+            <a:extLst>
+              <a:ext uri="{28A0092B-C50C-407E-A947-70E740481C1C}">
+                <a14:useLocalDpi xmlns:a14="http://schemas.microsoft.com/office/drawing/2010/main" val="0"/>
+              </a:ext>
+            </a:extLst>
+          </a:blip>
+          <a:srcRect/>
+          <a:stretch>
+            <a:fillRect/>
+          </a:stretch>
+        </p:blipFill>
+        <p:spPr bwMode="auto">
+          <a:xfrm>
+            <a:off x="9231086" y="508136"/>
+            <a:ext cx="2584434" cy="1356828"/>
+          </a:xfrm>
+          <a:prstGeom prst="rect">
+            <a:avLst/>
+          </a:prstGeom>
+          <a:noFill/>
+          <a:extLst>
+            <a:ext uri="{909E8E84-426E-40DD-AFC4-6F175D3DCCD1}">
+              <a14:hiddenFill xmlns:a14="http://schemas.microsoft.com/office/drawing/2010/main">
+                <a:solidFill>
+                  <a:srgbClr val="FFFFFF"/>
+                </a:solidFill>
+              </a14:hiddenFill>
+            </a:ext>
+          </a:extLst>
+        </p:spPr>
+      </p:pic>
+      <p:grpSp>
+        <p:nvGrpSpPr>
+          <p:cNvPr id="9" name="グループ化 8"/>
+          <p:cNvGrpSpPr/>
+          <p:nvPr/>
+        </p:nvGrpSpPr>
+        <p:grpSpPr>
+          <a:xfrm>
+            <a:off x="299634" y="1771973"/>
+            <a:ext cx="1193369" cy="2174929"/>
+            <a:chOff x="1115878" y="935064"/>
+            <a:chExt cx="1193369" cy="2174929"/>
+          </a:xfrm>
+        </p:grpSpPr>
+        <p:sp>
+          <p:nvSpPr>
+            <p:cNvPr id="6" name="四角形: 角を丸くする 5"/>
+            <p:cNvSpPr/>
+            <p:nvPr/>
+          </p:nvSpPr>
+          <p:spPr>
+            <a:xfrm>
+              <a:off x="1115878" y="935064"/>
+              <a:ext cx="1193369" cy="2174929"/>
+            </a:xfrm>
+            <a:prstGeom prst="roundRect">
+              <a:avLst/>
+            </a:prstGeom>
+            <a:solidFill>
+              <a:schemeClr val="tx1"/>
+            </a:solidFill>
+            <a:ln>
+              <a:noFill/>
+            </a:ln>
+          </p:spPr>
+          <p:style>
+            <a:lnRef idx="2">
+              <a:schemeClr val="accent1">
+                <a:shade val="50000"/>
+              </a:schemeClr>
+            </a:lnRef>
+            <a:fillRef idx="1">
+              <a:schemeClr val="accent1"/>
+            </a:fillRef>
+            <a:effectRef idx="0">
+              <a:schemeClr val="accent1"/>
+            </a:effectRef>
+            <a:fontRef idx="minor">
+              <a:schemeClr val="lt1"/>
+            </a:fontRef>
+          </p:style>
+          <p:txBody>
+            <a:bodyPr rtlCol="0" anchor="ctr"/>
+            <a:lstStyle/>
+            <a:p>
+              <a:pPr algn="ctr"/>
+              <a:endParaRPr kumimoji="1" lang="ja-JP" altLang="en-US"/>
+            </a:p>
+          </p:txBody>
+        </p:sp>
+        <p:sp>
+          <p:nvSpPr>
+            <p:cNvPr id="7" name="正方形/長方形 6"/>
+            <p:cNvSpPr/>
+            <p:nvPr/>
+          </p:nvSpPr>
+          <p:spPr>
+            <a:xfrm>
+              <a:off x="1234698" y="1059051"/>
+              <a:ext cx="971228" cy="1725478"/>
+            </a:xfrm>
+            <a:prstGeom prst="rect">
+              <a:avLst/>
+            </a:prstGeom>
+            <a:solidFill>
+              <a:schemeClr val="bg1"/>
+            </a:solidFill>
+            <a:ln>
+              <a:noFill/>
+            </a:ln>
+          </p:spPr>
+          <p:style>
+            <a:lnRef idx="2">
+              <a:schemeClr val="accent1">
+                <a:shade val="50000"/>
+              </a:schemeClr>
+            </a:lnRef>
+            <a:fillRef idx="1">
+              <a:schemeClr val="accent1"/>
+            </a:fillRef>
+            <a:effectRef idx="0">
+              <a:schemeClr val="accent1"/>
+            </a:effectRef>
+            <a:fontRef idx="minor">
+              <a:schemeClr val="lt1"/>
+            </a:fontRef>
+          </p:style>
+          <p:txBody>
+            <a:bodyPr rtlCol="0" anchor="ctr"/>
+            <a:lstStyle/>
+            <a:p>
+              <a:pPr algn="ctr"/>
+              <a:endParaRPr kumimoji="1" lang="ja-JP" altLang="en-US" dirty="0"/>
+            </a:p>
+          </p:txBody>
+        </p:sp>
+        <p:sp>
+          <p:nvSpPr>
+            <p:cNvPr id="8" name="楕円 7"/>
+            <p:cNvSpPr/>
+            <p:nvPr/>
+          </p:nvSpPr>
+          <p:spPr>
+            <a:xfrm>
+              <a:off x="1637653" y="2872353"/>
+              <a:ext cx="175648" cy="170481"/>
+            </a:xfrm>
+            <a:prstGeom prst="ellipse">
+              <a:avLst/>
+            </a:prstGeom>
+            <a:solidFill>
+              <a:schemeClr val="bg1"/>
+            </a:solidFill>
+            <a:ln>
+              <a:noFill/>
+            </a:ln>
+          </p:spPr>
+          <p:style>
+            <a:lnRef idx="2">
+              <a:schemeClr val="accent1">
+                <a:shade val="50000"/>
+              </a:schemeClr>
+            </a:lnRef>
+            <a:fillRef idx="1">
+              <a:schemeClr val="accent1"/>
+            </a:fillRef>
+            <a:effectRef idx="0">
+              <a:schemeClr val="accent1"/>
+            </a:effectRef>
+            <a:fontRef idx="minor">
+              <a:schemeClr val="lt1"/>
+            </a:fontRef>
+          </p:style>
+          <p:txBody>
+            <a:bodyPr rtlCol="0" anchor="ctr"/>
+            <a:lstStyle/>
+            <a:p>
+              <a:pPr algn="ctr"/>
+              <a:endParaRPr kumimoji="1" lang="ja-JP" altLang="en-US"/>
+            </a:p>
+          </p:txBody>
+        </p:sp>
+      </p:grpSp>
+      <p:sp>
+        <p:nvSpPr>
+          <p:cNvPr id="10" name="テキスト ボックス 9"/>
+          <p:cNvSpPr txBox="1"/>
+          <p:nvPr/>
+        </p:nvSpPr>
+        <p:spPr>
+          <a:xfrm>
+            <a:off x="6801170" y="5510267"/>
+            <a:ext cx="1880463" cy="646331"/>
+          </a:xfrm>
+          <a:prstGeom prst="rect">
+            <a:avLst/>
+          </a:prstGeom>
+          <a:noFill/>
+        </p:spPr>
+        <p:txBody>
+          <a:bodyPr wrap="square" rtlCol="0">
+            <a:spAutoFit/>
+          </a:bodyPr>
+          <a:lstStyle/>
+          <a:p>
+            <a:pPr algn="ctr"/>
+            <a:r>
+              <a:rPr kumimoji="1" lang="en-US" altLang="ja-JP" dirty="0"/>
+              <a:t>#</a:t>
+            </a:r>
+            <a:r>
+              <a:rPr kumimoji="1" lang="en-US" altLang="ja-JP" dirty="0" err="1"/>
+              <a:t>microsoft</a:t>
+            </a:r>
+            <a:r>
+              <a:rPr kumimoji="1" lang="en-US" altLang="ja-JP" dirty="0"/>
+              <a:t> </a:t>
+            </a:r>
+            <a:r>
+              <a:rPr kumimoji="1" lang="ja-JP" altLang="en-US" dirty="0"/>
+              <a:t>の</a:t>
+            </a:r>
+            <a:endParaRPr kumimoji="1" lang="en-US" altLang="ja-JP" dirty="0"/>
+          </a:p>
+          <a:p>
+            <a:pPr algn="ctr"/>
+            <a:r>
+              <a:rPr kumimoji="1" lang="ja-JP" altLang="en-US" dirty="0"/>
+              <a:t>画像検索</a:t>
+            </a:r>
+          </a:p>
+        </p:txBody>
+      </p:sp>
+      <p:pic>
+        <p:nvPicPr>
+          <p:cNvPr id="12" name="図 11"/>
+          <p:cNvPicPr>
+            <a:picLocks noChangeAspect="1"/>
+          </p:cNvPicPr>
+          <p:nvPr/>
+        </p:nvPicPr>
+        <p:blipFill>
+          <a:blip r:embed="rId3">
+            <a:extLst>
+              <a:ext uri="{28A0092B-C50C-407E-A947-70E740481C1C}">
+                <a14:useLocalDpi xmlns:a14="http://schemas.microsoft.com/office/drawing/2010/main" val="0"/>
+              </a:ext>
+            </a:extLst>
+          </a:blip>
+          <a:stretch>
+            <a:fillRect/>
+          </a:stretch>
+        </p:blipFill>
+        <p:spPr>
+          <a:xfrm>
+            <a:off x="5235741" y="1226845"/>
+            <a:ext cx="1490524" cy="1490524"/>
+          </a:xfrm>
+          <a:prstGeom prst="rect">
+            <a:avLst/>
+          </a:prstGeom>
+        </p:spPr>
+      </p:pic>
+      <p:cxnSp>
+        <p:nvCxnSpPr>
+          <p:cNvPr id="14" name="直線矢印コネクタ 13"/>
+          <p:cNvCxnSpPr/>
+          <p:nvPr/>
+        </p:nvCxnSpPr>
+        <p:spPr>
+          <a:xfrm flipV="1">
+            <a:off x="1673817" y="2076773"/>
+            <a:ext cx="3458603" cy="604435"/>
+          </a:xfrm>
+          <a:prstGeom prst="straightConnector1">
+            <a:avLst/>
+          </a:prstGeom>
+          <a:ln w="76200">
+            <a:tailEnd type="triangle"/>
+          </a:ln>
+        </p:spPr>
+        <p:style>
+          <a:lnRef idx="1">
+            <a:schemeClr val="accent1"/>
+          </a:lnRef>
+          <a:fillRef idx="0">
+            <a:schemeClr val="accent1"/>
+          </a:fillRef>
+          <a:effectRef idx="0">
+            <a:schemeClr val="accent1"/>
+          </a:effectRef>
+          <a:fontRef idx="minor">
+            <a:schemeClr val="tx1"/>
+          </a:fontRef>
+        </p:style>
+      </p:cxnSp>
+      <p:cxnSp>
+        <p:nvCxnSpPr>
+          <p:cNvPr id="17" name="直線矢印コネクタ 16"/>
+          <p:cNvCxnSpPr/>
+          <p:nvPr/>
+        </p:nvCxnSpPr>
+        <p:spPr>
+          <a:xfrm flipV="1">
+            <a:off x="6829586" y="1370362"/>
+            <a:ext cx="2769031" cy="494602"/>
+          </a:xfrm>
+          <a:prstGeom prst="straightConnector1">
+            <a:avLst/>
+          </a:prstGeom>
+          <a:ln w="76200">
+            <a:tailEnd type="triangle"/>
+          </a:ln>
+        </p:spPr>
+        <p:style>
+          <a:lnRef idx="1">
+            <a:schemeClr val="accent1"/>
+          </a:lnRef>
+          <a:fillRef idx="0">
+            <a:schemeClr val="accent1"/>
+          </a:fillRef>
+          <a:effectRef idx="0">
+            <a:schemeClr val="accent1"/>
+          </a:effectRef>
+          <a:fontRef idx="minor">
+            <a:schemeClr val="tx1"/>
+          </a:fontRef>
+        </p:style>
+      </p:cxnSp>
+      <p:pic>
+        <p:nvPicPr>
+          <p:cNvPr id="20" name="図 19"/>
+          <p:cNvPicPr>
+            <a:picLocks noChangeAspect="1"/>
+          </p:cNvPicPr>
+          <p:nvPr/>
+        </p:nvPicPr>
+        <p:blipFill>
+          <a:blip r:embed="rId4">
+            <a:extLst>
+              <a:ext uri="{28A0092B-C50C-407E-A947-70E740481C1C}">
+                <a14:useLocalDpi xmlns:a14="http://schemas.microsoft.com/office/drawing/2010/main" val="0"/>
+              </a:ext>
+            </a:extLst>
+          </a:blip>
+          <a:stretch>
+            <a:fillRect/>
+          </a:stretch>
+        </p:blipFill>
+        <p:spPr>
+          <a:xfrm>
+            <a:off x="5235741" y="3709262"/>
+            <a:ext cx="1616990" cy="1616990"/>
+          </a:xfrm>
+          <a:prstGeom prst="rect">
+            <a:avLst/>
+          </a:prstGeom>
+        </p:spPr>
+      </p:pic>
+      <p:pic>
+        <p:nvPicPr>
+          <p:cNvPr id="22" name="図 21"/>
+          <p:cNvPicPr>
+            <a:picLocks noChangeAspect="1"/>
+          </p:cNvPicPr>
+          <p:nvPr/>
+        </p:nvPicPr>
+        <p:blipFill>
+          <a:blip r:embed="rId5">
+            <a:extLst>
+              <a:ext uri="{28A0092B-C50C-407E-A947-70E740481C1C}">
+                <a14:useLocalDpi xmlns:a14="http://schemas.microsoft.com/office/drawing/2010/main" val="0"/>
+              </a:ext>
+            </a:extLst>
+          </a:blip>
+          <a:stretch>
+            <a:fillRect/>
+          </a:stretch>
+        </p:blipFill>
+        <p:spPr>
+          <a:xfrm>
+            <a:off x="8973519" y="5029200"/>
+            <a:ext cx="1828800" cy="1828800"/>
+          </a:xfrm>
+          <a:prstGeom prst="rect">
+            <a:avLst/>
+          </a:prstGeom>
+        </p:spPr>
+      </p:pic>
+      <p:pic>
+        <p:nvPicPr>
+          <p:cNvPr id="26" name="図 25"/>
+          <p:cNvPicPr>
+            <a:picLocks noChangeAspect="1"/>
+          </p:cNvPicPr>
+          <p:nvPr/>
+        </p:nvPicPr>
+        <p:blipFill>
+          <a:blip r:embed="rId6">
+            <a:extLst>
+              <a:ext uri="{28A0092B-C50C-407E-A947-70E740481C1C}">
+                <a14:useLocalDpi xmlns:a14="http://schemas.microsoft.com/office/drawing/2010/main" val="0"/>
+              </a:ext>
+            </a:extLst>
+          </a:blip>
+          <a:stretch>
+            <a:fillRect/>
+          </a:stretch>
+        </p:blipFill>
+        <p:spPr>
+          <a:xfrm>
+            <a:off x="9368621" y="3072488"/>
+            <a:ext cx="1273548" cy="1273548"/>
+          </a:xfrm>
+          <a:prstGeom prst="rect">
+            <a:avLst/>
+          </a:prstGeom>
+        </p:spPr>
+      </p:pic>
+      <p:cxnSp>
+        <p:nvCxnSpPr>
+          <p:cNvPr id="28" name="直線矢印コネクタ 27"/>
+          <p:cNvCxnSpPr/>
+          <p:nvPr/>
+        </p:nvCxnSpPr>
+        <p:spPr>
+          <a:xfrm flipV="1">
+            <a:off x="6943136" y="3879743"/>
+            <a:ext cx="2287950" cy="409361"/>
+          </a:xfrm>
+          <a:prstGeom prst="straightConnector1">
+            <a:avLst/>
+          </a:prstGeom>
+          <a:ln w="76200">
+            <a:tailEnd type="triangle"/>
+          </a:ln>
+        </p:spPr>
+        <p:style>
+          <a:lnRef idx="1">
+            <a:schemeClr val="accent1"/>
+          </a:lnRef>
+          <a:fillRef idx="0">
+            <a:schemeClr val="accent1"/>
+          </a:fillRef>
+          <a:effectRef idx="0">
+            <a:schemeClr val="accent1"/>
+          </a:effectRef>
+          <a:fontRef idx="minor">
+            <a:schemeClr val="tx1"/>
+          </a:fontRef>
+        </p:style>
+      </p:cxnSp>
+      <p:cxnSp>
+        <p:nvCxnSpPr>
+          <p:cNvPr id="30" name="直線矢印コネクタ 29"/>
+          <p:cNvCxnSpPr/>
+          <p:nvPr/>
+        </p:nvCxnSpPr>
+        <p:spPr>
+          <a:xfrm flipV="1">
+            <a:off x="6899224" y="1725478"/>
+            <a:ext cx="2828545" cy="1895961"/>
+          </a:xfrm>
+          <a:prstGeom prst="straightConnector1">
+            <a:avLst/>
+          </a:prstGeom>
+          <a:ln w="76200">
+            <a:tailEnd type="triangle"/>
+          </a:ln>
+        </p:spPr>
+        <p:style>
+          <a:lnRef idx="1">
+            <a:schemeClr val="accent1"/>
+          </a:lnRef>
+          <a:fillRef idx="0">
+            <a:schemeClr val="accent1"/>
+          </a:fillRef>
+          <a:effectRef idx="0">
+            <a:schemeClr val="accent1"/>
+          </a:effectRef>
+          <a:fontRef idx="minor">
+            <a:schemeClr val="tx1"/>
+          </a:fontRef>
+        </p:style>
+      </p:cxnSp>
+      <p:cxnSp>
+        <p:nvCxnSpPr>
+          <p:cNvPr id="32" name="直線矢印コネクタ 31"/>
+          <p:cNvCxnSpPr/>
+          <p:nvPr/>
+        </p:nvCxnSpPr>
+        <p:spPr>
+          <a:xfrm>
+            <a:off x="6899224" y="4956770"/>
+            <a:ext cx="2229278" cy="829264"/>
+          </a:xfrm>
+          <a:prstGeom prst="straightConnector1">
+            <a:avLst/>
+          </a:prstGeom>
+          <a:ln w="76200">
+            <a:tailEnd type="triangle"/>
+          </a:ln>
+        </p:spPr>
+        <p:style>
+          <a:lnRef idx="1">
+            <a:schemeClr val="accent1"/>
+          </a:lnRef>
+          <a:fillRef idx="0">
+            <a:schemeClr val="accent1"/>
+          </a:fillRef>
+          <a:effectRef idx="0">
+            <a:schemeClr val="accent1"/>
+          </a:effectRef>
+          <a:fontRef idx="minor">
+            <a:schemeClr val="tx1"/>
+          </a:fontRef>
+        </p:style>
+      </p:cxnSp>
+      <p:sp>
+        <p:nvSpPr>
+          <p:cNvPr id="34" name="テキスト ボックス 33"/>
+          <p:cNvSpPr txBox="1"/>
+          <p:nvPr/>
+        </p:nvSpPr>
+        <p:spPr>
+          <a:xfrm>
+            <a:off x="-54246" y="4022043"/>
+            <a:ext cx="2102606" cy="369332"/>
+          </a:xfrm>
+          <a:prstGeom prst="rect">
+            <a:avLst/>
+          </a:prstGeom>
+          <a:noFill/>
+        </p:spPr>
+        <p:txBody>
+          <a:bodyPr wrap="square" rtlCol="0">
+            <a:spAutoFit/>
+          </a:bodyPr>
+          <a:lstStyle/>
+          <a:p>
+            <a:pPr algn="ctr"/>
+            <a:r>
+              <a:rPr kumimoji="1" lang="ja-JP" altLang="en-US" dirty="0"/>
+              <a:t>分析結果の可視化</a:t>
+            </a:r>
+          </a:p>
+        </p:txBody>
+      </p:sp>
+      <p:sp>
+        <p:nvSpPr>
+          <p:cNvPr id="35" name="テキスト ボックス 34"/>
+          <p:cNvSpPr txBox="1"/>
+          <p:nvPr/>
+        </p:nvSpPr>
+        <p:spPr>
+          <a:xfrm>
+            <a:off x="7248039" y="4155873"/>
+            <a:ext cx="2779364" cy="923330"/>
+          </a:xfrm>
+          <a:prstGeom prst="rect">
+            <a:avLst/>
+          </a:prstGeom>
+          <a:noFill/>
+        </p:spPr>
+        <p:txBody>
+          <a:bodyPr wrap="square" rtlCol="0">
+            <a:spAutoFit/>
+          </a:bodyPr>
+          <a:lstStyle/>
+          <a:p>
+            <a:pPr algn="ctr"/>
+            <a:r>
+              <a:rPr kumimoji="1" lang="ja-JP" altLang="en-US" dirty="0"/>
+              <a:t>画像のカテゴライズ</a:t>
+            </a:r>
+            <a:endParaRPr kumimoji="1" lang="en-US" altLang="ja-JP" dirty="0"/>
+          </a:p>
+          <a:p>
+            <a:pPr algn="ctr"/>
+            <a:r>
+              <a:rPr lang="ja-JP" altLang="en-US" dirty="0"/>
+              <a:t>画像の説明文の生成</a:t>
+            </a:r>
+            <a:endParaRPr lang="en-US" altLang="ja-JP" dirty="0"/>
+          </a:p>
+          <a:p>
+            <a:pPr algn="ctr"/>
+            <a:r>
+              <a:rPr kumimoji="1" lang="ja-JP" altLang="en-US" dirty="0"/>
+              <a:t>英語から日本語への翻訳</a:t>
+            </a:r>
+          </a:p>
+        </p:txBody>
+      </p:sp>
+      <p:sp>
+        <p:nvSpPr>
+          <p:cNvPr id="36" name="テキスト ボックス 35"/>
+          <p:cNvSpPr txBox="1"/>
+          <p:nvPr/>
+        </p:nvSpPr>
+        <p:spPr>
+          <a:xfrm>
+            <a:off x="7978939" y="2623435"/>
+            <a:ext cx="2779364" cy="646331"/>
+          </a:xfrm>
+          <a:prstGeom prst="rect">
+            <a:avLst/>
+          </a:prstGeom>
+          <a:noFill/>
+        </p:spPr>
+        <p:txBody>
+          <a:bodyPr wrap="square" rtlCol="0">
+            <a:spAutoFit/>
+          </a:bodyPr>
+          <a:lstStyle/>
+          <a:p>
+            <a:pPr algn="ctr"/>
+            <a:r>
+              <a:rPr kumimoji="1" lang="en-US" altLang="ja-JP" dirty="0"/>
+              <a:t>Cognitive</a:t>
+            </a:r>
+            <a:r>
+              <a:rPr kumimoji="1" lang="ja-JP" altLang="en-US" dirty="0"/>
+              <a:t> </a:t>
+            </a:r>
+            <a:r>
+              <a:rPr kumimoji="1" lang="en-US" altLang="ja-JP" dirty="0"/>
+              <a:t>Services</a:t>
+            </a:r>
+            <a:br>
+              <a:rPr kumimoji="1" lang="en-US" altLang="ja-JP" dirty="0"/>
+            </a:br>
+            <a:r>
+              <a:rPr lang="ja-JP" altLang="en-US" dirty="0"/>
+              <a:t>による分析結果の保存</a:t>
+            </a:r>
+            <a:endParaRPr kumimoji="1" lang="en-US" altLang="ja-JP" dirty="0"/>
+          </a:p>
+        </p:txBody>
+      </p:sp>
+      <p:sp>
+        <p:nvSpPr>
+          <p:cNvPr id="37" name="テキスト ボックス 36"/>
+          <p:cNvSpPr txBox="1"/>
+          <p:nvPr/>
+        </p:nvSpPr>
+        <p:spPr>
+          <a:xfrm>
+            <a:off x="4463406" y="5125669"/>
+            <a:ext cx="2779364" cy="369332"/>
+          </a:xfrm>
+          <a:prstGeom prst="rect">
+            <a:avLst/>
+          </a:prstGeom>
+          <a:noFill/>
+        </p:spPr>
+        <p:txBody>
+          <a:bodyPr wrap="square" rtlCol="0">
+            <a:spAutoFit/>
+          </a:bodyPr>
+          <a:lstStyle/>
+          <a:p>
+            <a:pPr algn="ctr"/>
+            <a:r>
+              <a:rPr kumimoji="1" lang="ja-JP" altLang="en-US" dirty="0"/>
+              <a:t>定周期にデータを収集</a:t>
+            </a:r>
+            <a:endParaRPr kumimoji="1" lang="en-US" altLang="ja-JP" dirty="0"/>
+          </a:p>
+        </p:txBody>
+      </p:sp>
+      <p:sp>
+        <p:nvSpPr>
+          <p:cNvPr id="38" name="テキスト ボックス 37"/>
+          <p:cNvSpPr txBox="1"/>
+          <p:nvPr/>
+        </p:nvSpPr>
+        <p:spPr>
+          <a:xfrm>
+            <a:off x="1833319" y="1676168"/>
+            <a:ext cx="2779364" cy="646331"/>
+          </a:xfrm>
+          <a:prstGeom prst="rect">
+            <a:avLst/>
+          </a:prstGeom>
+          <a:noFill/>
+        </p:spPr>
+        <p:txBody>
+          <a:bodyPr wrap="square" rtlCol="0">
+            <a:spAutoFit/>
+          </a:bodyPr>
+          <a:lstStyle/>
+          <a:p>
+            <a:pPr algn="ctr"/>
+            <a:r>
+              <a:rPr kumimoji="1" lang="ja-JP" altLang="en-US" dirty="0"/>
+              <a:t>カテゴリ一覧取得</a:t>
+            </a:r>
+            <a:endParaRPr kumimoji="1" lang="en-US" altLang="ja-JP" dirty="0"/>
+          </a:p>
+          <a:p>
+            <a:pPr algn="ctr"/>
+            <a:r>
+              <a:rPr lang="ja-JP" altLang="en-US" dirty="0"/>
+              <a:t>画像の詳細データ取得</a:t>
+            </a:r>
+            <a:endParaRPr kumimoji="1" lang="en-US" altLang="ja-JP" dirty="0"/>
+          </a:p>
+        </p:txBody>
+      </p:sp>
+      <p:sp>
+        <p:nvSpPr>
+          <p:cNvPr id="39" name="テキスト ボックス 38"/>
+          <p:cNvSpPr txBox="1"/>
+          <p:nvPr/>
+        </p:nvSpPr>
+        <p:spPr>
+          <a:xfrm>
+            <a:off x="6801170" y="881686"/>
+            <a:ext cx="2779364" cy="646331"/>
+          </a:xfrm>
+          <a:prstGeom prst="rect">
+            <a:avLst/>
+          </a:prstGeom>
+          <a:noFill/>
+        </p:spPr>
+        <p:txBody>
+          <a:bodyPr wrap="square" rtlCol="0">
+            <a:spAutoFit/>
+          </a:bodyPr>
+          <a:lstStyle/>
+          <a:p>
+            <a:pPr algn="ctr"/>
+            <a:r>
+              <a:rPr kumimoji="1" lang="ja-JP" altLang="en-US" dirty="0"/>
+              <a:t>スマホから要求されたデータの取得</a:t>
+            </a:r>
+            <a:endParaRPr kumimoji="1" lang="en-US" altLang="ja-JP" dirty="0"/>
+          </a:p>
+        </p:txBody>
+      </p:sp>
+      <p:pic>
+        <p:nvPicPr>
+          <p:cNvPr id="33" name="図 32"/>
+          <p:cNvPicPr>
+            <a:picLocks noChangeAspect="1"/>
+          </p:cNvPicPr>
+          <p:nvPr/>
+        </p:nvPicPr>
+        <p:blipFill>
+          <a:blip r:embed="rId7"/>
+          <a:stretch>
+            <a:fillRect/>
+          </a:stretch>
+        </p:blipFill>
+        <p:spPr>
+          <a:xfrm>
+            <a:off x="414146" y="1866884"/>
+            <a:ext cx="992534" cy="1754553"/>
+          </a:xfrm>
+          <a:prstGeom prst="rect">
+            <a:avLst/>
+          </a:prstGeom>
+        </p:spPr>
+      </p:pic>
     </p:spTree>
     <p:extLst>
       <p:ext uri="{BB962C8B-B14F-4D97-AF65-F5344CB8AC3E}">
